--- a/PPT TNSDC FWD DP1.pptx
+++ b/PPT TNSDC FWD DP1.pptx
@@ -6074,8 +6074,8 @@
         </p:nvSpPr>
         <p:spPr>
           <a:xfrm>
-            <a:off x="1499084" y="2796591"/>
-            <a:ext cx="8825658" cy="2763551"/>
+            <a:off x="1440090" y="2727765"/>
+            <a:ext cx="8825658" cy="2890715"/>
           </a:xfrm>
         </p:spPr>
         <p:txBody>
@@ -6085,54 +6085,73 @@
           <a:lstStyle/>
           <a:p>
             <a:r>
-              <a:rPr lang="en-US" sz="2400" b="1">
+              <a:rPr lang="en-US" sz="2400" b="1" dirty="0">
                 <a:solidFill>
                   <a:schemeClr val="tx2">
                     <a:lumMod val="10000"/>
                   </a:schemeClr>
                 </a:solidFill>
-                <a:latin typeface="Georgia" panose="02040502050405020303" pitchFamily="18" charset="0"/>
+                <a:latin typeface="Aptos" panose="020B0004020202020204" pitchFamily="34" charset="0"/>
               </a:rPr>
               <a:t>STUDENT NAME:  KANIMOZHI.H</a:t>
             </a:r>
           </a:p>
           <a:p>
             <a:r>
-              <a:rPr lang="en-US" sz="2400" b="1">
+              <a:rPr lang="en-US" sz="2400" b="1" dirty="0">
                 <a:solidFill>
                   <a:schemeClr val="tx2">
                     <a:lumMod val="10000"/>
                   </a:schemeClr>
                 </a:solidFill>
-                <a:latin typeface="Georgia" panose="02040502050405020303" pitchFamily="18" charset="0"/>
+                <a:latin typeface="Aptos" panose="020B0004020202020204" pitchFamily="34" charset="0"/>
               </a:rPr>
               <a:t>REGISTER NO AND NMID:</a:t>
             </a:r>
-          </a:p>
-          <a:p>
-            <a:r>
-              <a:rPr lang="en-US" sz="2400" b="1">
+            <a:r>
+              <a:rPr lang="en-US" sz="2400" b="1" cap="none" dirty="0">
                 <a:solidFill>
                   <a:schemeClr val="tx2">
                     <a:lumMod val="10000"/>
                   </a:schemeClr>
                 </a:solidFill>
-                <a:latin typeface="Georgia" panose="02040502050405020303" pitchFamily="18" charset="0"/>
+                <a:latin typeface="Aptos" panose="020B0004020202020204" pitchFamily="34" charset="0"/>
               </a:rPr>
-              <a:t>DEPARTMENT:  BSC COMPUTER SCIENCE</a:t>
-            </a:r>
-          </a:p>
-          <a:p>
-            <a:r>
-              <a:rPr lang="en-US" sz="2400" b="1">
+              <a:t>222407776/autunm1455csb32</a:t>
+            </a:r>
+            <a:endParaRPr lang="en-US" sz="2400" b="1" dirty="0">
+              <a:solidFill>
+                <a:schemeClr val="tx2">
+                  <a:lumMod val="10000"/>
+                </a:schemeClr>
+              </a:solidFill>
+              <a:latin typeface="Aptos" panose="020B0004020202020204" pitchFamily="34" charset="0"/>
+            </a:endParaRPr>
+          </a:p>
+          <a:p>
+            <a:r>
+              <a:rPr lang="en-US" sz="2400" b="1" dirty="0">
                 <a:solidFill>
                   <a:schemeClr val="tx2">
                     <a:lumMod val="10000"/>
                   </a:schemeClr>
                 </a:solidFill>
-                <a:latin typeface="Georgia" panose="02040502050405020303" pitchFamily="18" charset="0"/>
+                <a:latin typeface="Aptos" panose="020B0004020202020204" pitchFamily="34" charset="0"/>
               </a:rPr>
-              <a:t>COLLEGE/UNIVERSITY:  TAGORE COLLEGE OF ARTS&amp;SCIENCE/ MADRAS UNIVERSITY</a:t>
+              <a:t>DEPARTMENT:  BSC COMPUTER SCIENCE</a:t>
+            </a:r>
+          </a:p>
+          <a:p>
+            <a:r>
+              <a:rPr lang="en-US" sz="2400" b="1" dirty="0">
+                <a:solidFill>
+                  <a:schemeClr val="tx2">
+                    <a:lumMod val="10000"/>
+                  </a:schemeClr>
+                </a:solidFill>
+                <a:latin typeface="Aptos" panose="020B0004020202020204" pitchFamily="34" charset="0"/>
+              </a:rPr>
+              <a:t>COLLEGE/UNIVERSITY:  TAGORE COLLEGE OF ARTS&amp;SCIENCE/ university of madras</a:t>
             </a:r>
           </a:p>
         </p:txBody>
